--- a/Presentation2.pptx
+++ b/Presentation2.pptx
@@ -6,11 +6,11 @@
   </p:sldMasterIdLst>
   <p:sldIdLst>
     <p:sldId id="256" r:id="rId2"/>
-    <p:sldId id="258" r:id="rId3"/>
-    <p:sldId id="257" r:id="rId4"/>
-    <p:sldId id="259" r:id="rId5"/>
-    <p:sldId id="263" r:id="rId6"/>
-    <p:sldId id="260" r:id="rId7"/>
+    <p:sldId id="260" r:id="rId3"/>
+    <p:sldId id="258" r:id="rId4"/>
+    <p:sldId id="257" r:id="rId5"/>
+    <p:sldId id="259" r:id="rId6"/>
+    <p:sldId id="263" r:id="rId7"/>
     <p:sldId id="261" r:id="rId8"/>
   </p:sldIdLst>
   <p:sldSz cx="12192000" cy="6858000"/>
@@ -122,8 +122,10 @@
 <p1510:revInfo xmlns:a="http://schemas.openxmlformats.org/drawingml/2006/main" xmlns:r="http://schemas.openxmlformats.org/officeDocument/2006/relationships" xmlns:p1510="http://schemas.microsoft.com/office/powerpoint/2015/10/main">
   <p1510:revLst>
     <p1510:client id="{10E27A22-3C20-46CD-9E9B-C4970FFE3D67}" v="115" dt="2022-04-26T14:46:15.999"/>
+    <p1510:client id="{2481028C-6320-76DF-9E65-AA626535C458}" v="1" dt="2022-04-27T15:20:20.213"/>
     <p1510:client id="{25038132-50AE-491B-AD31-BE5A256BF2CA}" v="10" dt="2022-04-26T02:49:59.338"/>
     <p1510:client id="{549CF579-C917-E436-5F47-6382179C339F}" v="364" dt="2022-04-26T17:15:09.472"/>
+    <p1510:client id="{596C5F33-0FDF-8E77-2DE3-BB9531D631DD}" v="1" dt="2022-04-27T14:51:29.544"/>
     <p1510:client id="{C67B82A9-91F2-DCE3-46FF-99F9573A6C9A}" v="1366" dt="2022-04-26T14:54:25.433"/>
   </p1510:revLst>
 </p1510:revInfo>
@@ -1537,7 +1539,7 @@
             <a:fld id="{48A87A34-81AB-432B-8DAE-1953F412C126}" type="datetimeFigureOut">
               <a:rPr lang="en-US" dirty="0"/>
               <a:pPr/>
-              <a:t>4/26/2022</a:t>
+              <a:t>4/27/2022</a:t>
             </a:fld>
             <a:endParaRPr lang="en-US"/>
           </a:p>
@@ -2994,7 +2996,7 @@
           <a:p>
             <a:fld id="{48A87A34-81AB-432B-8DAE-1953F412C126}" type="datetimeFigureOut">
               <a:rPr lang="en-US" dirty="0"/>
-              <a:t>4/26/2022</a:t>
+              <a:t>4/27/2022</a:t>
             </a:fld>
             <a:endParaRPr lang="en-US"/>
           </a:p>
@@ -4445,7 +4447,7 @@
           <a:p>
             <a:fld id="{48A87A34-81AB-432B-8DAE-1953F412C126}" type="datetimeFigureOut">
               <a:rPr lang="en-US" dirty="0"/>
-              <a:t>4/26/2022</a:t>
+              <a:t>4/27/2022</a:t>
             </a:fld>
             <a:endParaRPr lang="en-US"/>
           </a:p>
@@ -5898,7 +5900,7 @@
           <a:p>
             <a:fld id="{48A87A34-81AB-432B-8DAE-1953F412C126}" type="datetimeFigureOut">
               <a:rPr lang="en-US" dirty="0"/>
-              <a:t>4/26/2022</a:t>
+              <a:t>4/27/2022</a:t>
             </a:fld>
             <a:endParaRPr lang="en-US"/>
           </a:p>
@@ -7405,7 +7407,7 @@
           <a:p>
             <a:fld id="{48A87A34-81AB-432B-8DAE-1953F412C126}" type="datetimeFigureOut">
               <a:rPr lang="en-US" dirty="0"/>
-              <a:t>4/26/2022</a:t>
+              <a:t>4/27/2022</a:t>
             </a:fld>
             <a:endParaRPr lang="en-US"/>
           </a:p>
@@ -8923,7 +8925,7 @@
           <a:p>
             <a:fld id="{48A87A34-81AB-432B-8DAE-1953F412C126}" type="datetimeFigureOut">
               <a:rPr lang="en-US" dirty="0"/>
-              <a:t>4/26/2022</a:t>
+              <a:t>4/27/2022</a:t>
             </a:fld>
             <a:endParaRPr lang="en-US"/>
           </a:p>
@@ -10585,7 +10587,7 @@
           <a:p>
             <a:fld id="{48A87A34-81AB-432B-8DAE-1953F412C126}" type="datetimeFigureOut">
               <a:rPr lang="en-US" dirty="0"/>
-              <a:t>4/26/2022</a:t>
+              <a:t>4/27/2022</a:t>
             </a:fld>
             <a:endParaRPr lang="en-US"/>
           </a:p>
@@ -11982,7 +11984,7 @@
           <a:p>
             <a:fld id="{48A87A34-81AB-432B-8DAE-1953F412C126}" type="datetimeFigureOut">
               <a:rPr lang="en-US" dirty="0"/>
-              <a:t>4/26/2022</a:t>
+              <a:t>4/27/2022</a:t>
             </a:fld>
             <a:endParaRPr lang="en-US"/>
           </a:p>
@@ -12082,7 +12084,7 @@
           <a:p>
             <a:fld id="{48A87A34-81AB-432B-8DAE-1953F412C126}" type="datetimeFigureOut">
               <a:rPr lang="en-US" dirty="0"/>
-              <a:t>4/26/2022</a:t>
+              <a:t>4/27/2022</a:t>
             </a:fld>
             <a:endParaRPr lang="en-US"/>
           </a:p>
@@ -13606,7 +13608,7 @@
           <a:p>
             <a:fld id="{48A87A34-81AB-432B-8DAE-1953F412C126}" type="datetimeFigureOut">
               <a:rPr lang="en-US" dirty="0"/>
-              <a:t>4/26/2022</a:t>
+              <a:t>4/27/2022</a:t>
             </a:fld>
             <a:endParaRPr lang="en-US"/>
           </a:p>
@@ -15137,7 +15139,7 @@
           <a:p>
             <a:fld id="{48A87A34-81AB-432B-8DAE-1953F412C126}" type="datetimeFigureOut">
               <a:rPr lang="en-US" dirty="0"/>
-              <a:t>4/26/2022</a:t>
+              <a:t>4/27/2022</a:t>
             </a:fld>
             <a:endParaRPr lang="en-US"/>
           </a:p>
@@ -15387,7 +15389,7 @@
             <a:fld id="{48A87A34-81AB-432B-8DAE-1953F412C126}" type="datetimeFigureOut">
               <a:rPr lang="en-US" dirty="0"/>
               <a:pPr/>
-              <a:t>4/26/2022</a:t>
+              <a:t>4/27/2022</a:t>
             </a:fld>
             <a:endParaRPr lang="en-US"/>
           </a:p>
@@ -17685,6 +17687,107 @@
 <file path=ppt/slides/slide2.xml><?xml version="1.0" encoding="utf-8"?>
 <p:sld xmlns:a="http://schemas.openxmlformats.org/drawingml/2006/main" xmlns:r="http://schemas.openxmlformats.org/officeDocument/2006/relationships" xmlns:p="http://schemas.openxmlformats.org/presentationml/2006/main">
   <p:cSld>
+    <p:spTree>
+      <p:nvGrpSpPr>
+        <p:cNvPr id="1" name=""/>
+        <p:cNvGrpSpPr/>
+        <p:nvPr/>
+      </p:nvGrpSpPr>
+      <p:grpSpPr>
+        <a:xfrm>
+          <a:off x="0" y="0"/>
+          <a:ext cx="0" cy="0"/>
+          <a:chOff x="0" y="0"/>
+          <a:chExt cx="0" cy="0"/>
+        </a:xfrm>
+      </p:grpSpPr>
+      <p:sp>
+        <p:nvSpPr>
+          <p:cNvPr id="2" name="Title 1">
+            <a:extLst>
+              <a:ext uri="{FF2B5EF4-FFF2-40B4-BE49-F238E27FC236}">
+                <a16:creationId xmlns:a16="http://schemas.microsoft.com/office/drawing/2014/main" id="{8F1B5168-0E29-3B91-EE75-BB4F6AE99840}"/>
+              </a:ext>
+            </a:extLst>
+          </p:cNvPr>
+          <p:cNvSpPr>
+            <a:spLocks noGrp="1"/>
+          </p:cNvSpPr>
+          <p:nvPr>
+            <p:ph type="title"/>
+          </p:nvPr>
+        </p:nvSpPr>
+        <p:spPr/>
+        <p:txBody>
+          <a:bodyPr/>
+          <a:lstStyle/>
+          <a:p>
+            <a:r>
+              <a:rPr lang="en-US">
+                <a:cs typeface="Calibri Light"/>
+              </a:rPr>
+              <a:t>Our Goal</a:t>
+            </a:r>
+            <a:endParaRPr lang="en-US"/>
+          </a:p>
+        </p:txBody>
+      </p:sp>
+      <p:sp>
+        <p:nvSpPr>
+          <p:cNvPr id="3" name="Content Placeholder 2">
+            <a:extLst>
+              <a:ext uri="{FF2B5EF4-FFF2-40B4-BE49-F238E27FC236}">
+                <a16:creationId xmlns:a16="http://schemas.microsoft.com/office/drawing/2014/main" id="{5ADB08A7-80E1-21E5-9997-6ADBA53C4674}"/>
+              </a:ext>
+            </a:extLst>
+          </p:cNvPr>
+          <p:cNvSpPr>
+            <a:spLocks noGrp="1"/>
+          </p:cNvSpPr>
+          <p:nvPr>
+            <p:ph idx="1"/>
+          </p:nvPr>
+        </p:nvSpPr>
+        <p:spPr/>
+        <p:txBody>
+          <a:bodyPr/>
+          <a:lstStyle/>
+          <a:p>
+            <a:pPr marL="0" indent="0">
+              <a:buNone/>
+            </a:pPr>
+            <a:r>
+              <a:rPr lang="en-US"/>
+              <a:t>This website can facilitate the transfer of old clothes from people who no longer want or need them to people who do and not only that but will help reduce the amount of clothes that end up in landfills.</a:t>
+            </a:r>
+          </a:p>
+          <a:p>
+            <a:pPr marL="0" indent="0">
+              <a:buNone/>
+            </a:pPr>
+            <a:r>
+              <a:rPr lang="en-US"/>
+              <a:t>By evaluating the donated clothes through our approval process, we can ensure that the recipients will be receiving clothes that are in good, wearable condition and offer a consistent viable option for them to have access to quality clothing.</a:t>
+            </a:r>
+          </a:p>
+        </p:txBody>
+      </p:sp>
+    </p:spTree>
+    <p:extLst>
+      <p:ext uri="{BB962C8B-B14F-4D97-AF65-F5344CB8AC3E}">
+        <p14:creationId xmlns:p14="http://schemas.microsoft.com/office/powerpoint/2010/main" val="812127608"/>
+      </p:ext>
+    </p:extLst>
+  </p:cSld>
+  <p:clrMapOvr>
+    <a:masterClrMapping/>
+  </p:clrMapOvr>
+</p:sld>
+</file>
+
+<file path=ppt/slides/slide3.xml><?xml version="1.0" encoding="utf-8"?>
+<p:sld xmlns:a="http://schemas.openxmlformats.org/drawingml/2006/main" xmlns:r="http://schemas.openxmlformats.org/officeDocument/2006/relationships" xmlns:p="http://schemas.openxmlformats.org/presentationml/2006/main">
+  <p:cSld>
     <p:bg>
       <p:bgPr>
         <a:solidFill>
@@ -19470,7 +19573,7 @@
 </p:sld>
 </file>
 
-<file path=ppt/slides/slide3.xml><?xml version="1.0" encoding="utf-8"?>
+<file path=ppt/slides/slide4.xml><?xml version="1.0" encoding="utf-8"?>
 <p:sld xmlns:a="http://schemas.openxmlformats.org/drawingml/2006/main" xmlns:r="http://schemas.openxmlformats.org/officeDocument/2006/relationships" xmlns:p="http://schemas.openxmlformats.org/presentationml/2006/main">
   <p:cSld>
     <p:bg>
@@ -21275,7 +21378,7 @@
 </p:sld>
 </file>
 
-<file path=ppt/slides/slide4.xml><?xml version="1.0" encoding="utf-8"?>
+<file path=ppt/slides/slide5.xml><?xml version="1.0" encoding="utf-8"?>
 <p:sld xmlns:a="http://schemas.openxmlformats.org/drawingml/2006/main" xmlns:r="http://schemas.openxmlformats.org/officeDocument/2006/relationships" xmlns:p="http://schemas.openxmlformats.org/presentationml/2006/main">
   <p:cSld>
     <p:bg>
@@ -23112,7 +23215,7 @@
 </p:sld>
 </file>
 
-<file path=ppt/slides/slide5.xml><?xml version="1.0" encoding="utf-8"?>
+<file path=ppt/slides/slide6.xml><?xml version="1.0" encoding="utf-8"?>
 <p:sld xmlns:a="http://schemas.openxmlformats.org/drawingml/2006/main" xmlns:r="http://schemas.openxmlformats.org/officeDocument/2006/relationships" xmlns:p="http://schemas.openxmlformats.org/presentationml/2006/main">
   <p:cSld>
     <p:bg>
@@ -24940,107 +25043,6 @@
     <p:extLst>
       <p:ext uri="{BB962C8B-B14F-4D97-AF65-F5344CB8AC3E}">
         <p14:creationId xmlns:p14="http://schemas.microsoft.com/office/powerpoint/2010/main" val="2324605705"/>
-      </p:ext>
-    </p:extLst>
-  </p:cSld>
-  <p:clrMapOvr>
-    <a:masterClrMapping/>
-  </p:clrMapOvr>
-</p:sld>
-</file>
-
-<file path=ppt/slides/slide6.xml><?xml version="1.0" encoding="utf-8"?>
-<p:sld xmlns:a="http://schemas.openxmlformats.org/drawingml/2006/main" xmlns:r="http://schemas.openxmlformats.org/officeDocument/2006/relationships" xmlns:p="http://schemas.openxmlformats.org/presentationml/2006/main">
-  <p:cSld>
-    <p:spTree>
-      <p:nvGrpSpPr>
-        <p:cNvPr id="1" name=""/>
-        <p:cNvGrpSpPr/>
-        <p:nvPr/>
-      </p:nvGrpSpPr>
-      <p:grpSpPr>
-        <a:xfrm>
-          <a:off x="0" y="0"/>
-          <a:ext cx="0" cy="0"/>
-          <a:chOff x="0" y="0"/>
-          <a:chExt cx="0" cy="0"/>
-        </a:xfrm>
-      </p:grpSpPr>
-      <p:sp>
-        <p:nvSpPr>
-          <p:cNvPr id="2" name="Title 1">
-            <a:extLst>
-              <a:ext uri="{FF2B5EF4-FFF2-40B4-BE49-F238E27FC236}">
-                <a16:creationId xmlns:a16="http://schemas.microsoft.com/office/drawing/2014/main" id="{8F1B5168-0E29-3B91-EE75-BB4F6AE99840}"/>
-              </a:ext>
-            </a:extLst>
-          </p:cNvPr>
-          <p:cNvSpPr>
-            <a:spLocks noGrp="1"/>
-          </p:cNvSpPr>
-          <p:nvPr>
-            <p:ph type="title"/>
-          </p:nvPr>
-        </p:nvSpPr>
-        <p:spPr/>
-        <p:txBody>
-          <a:bodyPr/>
-          <a:lstStyle/>
-          <a:p>
-            <a:r>
-              <a:rPr lang="en-US">
-                <a:cs typeface="Calibri Light"/>
-              </a:rPr>
-              <a:t>Our Goal</a:t>
-            </a:r>
-            <a:endParaRPr lang="en-US"/>
-          </a:p>
-        </p:txBody>
-      </p:sp>
-      <p:sp>
-        <p:nvSpPr>
-          <p:cNvPr id="3" name="Content Placeholder 2">
-            <a:extLst>
-              <a:ext uri="{FF2B5EF4-FFF2-40B4-BE49-F238E27FC236}">
-                <a16:creationId xmlns:a16="http://schemas.microsoft.com/office/drawing/2014/main" id="{5ADB08A7-80E1-21E5-9997-6ADBA53C4674}"/>
-              </a:ext>
-            </a:extLst>
-          </p:cNvPr>
-          <p:cNvSpPr>
-            <a:spLocks noGrp="1"/>
-          </p:cNvSpPr>
-          <p:nvPr>
-            <p:ph idx="1"/>
-          </p:nvPr>
-        </p:nvSpPr>
-        <p:spPr/>
-        <p:txBody>
-          <a:bodyPr/>
-          <a:lstStyle/>
-          <a:p>
-            <a:pPr marL="0" indent="0">
-              <a:buNone/>
-            </a:pPr>
-            <a:r>
-              <a:rPr lang="en-US"/>
-              <a:t>This website can facilitate the transfer of old clothes from people who no longer want or need them to people who do and not only that but will help reduce the amount of clothes that end up in landfills.</a:t>
-            </a:r>
-          </a:p>
-          <a:p>
-            <a:pPr marL="0" indent="0">
-              <a:buNone/>
-            </a:pPr>
-            <a:r>
-              <a:rPr lang="en-US"/>
-              <a:t>By evaluating the donated clothes through our approval process, we can ensure that the recipients will be receiving clothes that are in good, wearable condition and offer a consistent viable option for them to have access to quality clothing.</a:t>
-            </a:r>
-          </a:p>
-        </p:txBody>
-      </p:sp>
-    </p:spTree>
-    <p:extLst>
-      <p:ext uri="{BB962C8B-B14F-4D97-AF65-F5344CB8AC3E}">
-        <p14:creationId xmlns:p14="http://schemas.microsoft.com/office/powerpoint/2010/main" val="812127608"/>
       </p:ext>
     </p:extLst>
   </p:cSld>
@@ -25177,6 +25179,10 @@
               <a:rPr lang="en-US" dirty="0"/>
               <a:t>• Implement search function</a:t>
             </a:r>
+          </a:p>
+          <a:p>
+            <a:pPr algn="just"/>
+            <a:endParaRPr lang="en-US" dirty="0"/>
           </a:p>
           <a:p>
             <a:pPr marL="285750" indent="-285750" algn="just">
